--- a/imgs/hami-arch.pptx
+++ b/imgs/hami-arch.pptx
@@ -3075,7 +3075,7 @@
           <a:p>
             <a:fld id="{C2B42884-6215-4291-AD42-9903C1CDF6BC}" type="datetimeFigureOut">
               <a:rPr lang="zh-CN" altLang="en-US" smtClean="0"/>
-              <a:t>2024/8/27</a:t>
+              <a:t>2024/9/10</a:t>
             </a:fld>
             <a:endParaRPr lang="zh-CN" altLang="en-US"/>
           </a:p>
@@ -3273,7 +3273,7 @@
           <a:p>
             <a:fld id="{C2B42884-6215-4291-AD42-9903C1CDF6BC}" type="datetimeFigureOut">
               <a:rPr lang="zh-CN" altLang="en-US" smtClean="0"/>
-              <a:t>2024/8/27</a:t>
+              <a:t>2024/9/10</a:t>
             </a:fld>
             <a:endParaRPr lang="zh-CN" altLang="en-US"/>
           </a:p>
@@ -3481,7 +3481,7 @@
           <a:p>
             <a:fld id="{C2B42884-6215-4291-AD42-9903C1CDF6BC}" type="datetimeFigureOut">
               <a:rPr lang="zh-CN" altLang="en-US" smtClean="0"/>
-              <a:t>2024/8/27</a:t>
+              <a:t>2024/9/10</a:t>
             </a:fld>
             <a:endParaRPr lang="zh-CN" altLang="en-US"/>
           </a:p>
@@ -3679,7 +3679,7 @@
           <a:p>
             <a:fld id="{C2B42884-6215-4291-AD42-9903C1CDF6BC}" type="datetimeFigureOut">
               <a:rPr lang="zh-CN" altLang="en-US" smtClean="0"/>
-              <a:t>2024/8/27</a:t>
+              <a:t>2024/9/10</a:t>
             </a:fld>
             <a:endParaRPr lang="zh-CN" altLang="en-US"/>
           </a:p>
@@ -3954,7 +3954,7 @@
           <a:p>
             <a:fld id="{C2B42884-6215-4291-AD42-9903C1CDF6BC}" type="datetimeFigureOut">
               <a:rPr lang="zh-CN" altLang="en-US" smtClean="0"/>
-              <a:t>2024/8/27</a:t>
+              <a:t>2024/9/10</a:t>
             </a:fld>
             <a:endParaRPr lang="zh-CN" altLang="en-US"/>
           </a:p>
@@ -4219,7 +4219,7 @@
           <a:p>
             <a:fld id="{C2B42884-6215-4291-AD42-9903C1CDF6BC}" type="datetimeFigureOut">
               <a:rPr lang="zh-CN" altLang="en-US" smtClean="0"/>
-              <a:t>2024/8/27</a:t>
+              <a:t>2024/9/10</a:t>
             </a:fld>
             <a:endParaRPr lang="zh-CN" altLang="en-US"/>
           </a:p>
@@ -4631,7 +4631,7 @@
           <a:p>
             <a:fld id="{C2B42884-6215-4291-AD42-9903C1CDF6BC}" type="datetimeFigureOut">
               <a:rPr lang="zh-CN" altLang="en-US" smtClean="0"/>
-              <a:t>2024/8/27</a:t>
+              <a:t>2024/9/10</a:t>
             </a:fld>
             <a:endParaRPr lang="zh-CN" altLang="en-US"/>
           </a:p>
@@ -4772,7 +4772,7 @@
           <a:p>
             <a:fld id="{C2B42884-6215-4291-AD42-9903C1CDF6BC}" type="datetimeFigureOut">
               <a:rPr lang="zh-CN" altLang="en-US" smtClean="0"/>
-              <a:t>2024/8/27</a:t>
+              <a:t>2024/9/10</a:t>
             </a:fld>
             <a:endParaRPr lang="zh-CN" altLang="en-US"/>
           </a:p>
@@ -4885,7 +4885,7 @@
           <a:p>
             <a:fld id="{C2B42884-6215-4291-AD42-9903C1CDF6BC}" type="datetimeFigureOut">
               <a:rPr lang="zh-CN" altLang="en-US" smtClean="0"/>
-              <a:t>2024/8/27</a:t>
+              <a:t>2024/9/10</a:t>
             </a:fld>
             <a:endParaRPr lang="zh-CN" altLang="en-US"/>
           </a:p>
@@ -5196,7 +5196,7 @@
           <a:p>
             <a:fld id="{C2B42884-6215-4291-AD42-9903C1CDF6BC}" type="datetimeFigureOut">
               <a:rPr lang="zh-CN" altLang="en-US" smtClean="0"/>
-              <a:t>2024/8/27</a:t>
+              <a:t>2024/9/10</a:t>
             </a:fld>
             <a:endParaRPr lang="zh-CN" altLang="en-US"/>
           </a:p>
@@ -5484,7 +5484,7 @@
           <a:p>
             <a:fld id="{C2B42884-6215-4291-AD42-9903C1CDF6BC}" type="datetimeFigureOut">
               <a:rPr lang="zh-CN" altLang="en-US" smtClean="0"/>
-              <a:t>2024/8/27</a:t>
+              <a:t>2024/9/10</a:t>
             </a:fld>
             <a:endParaRPr lang="zh-CN" altLang="en-US"/>
           </a:p>
@@ -5725,7 +5725,7 @@
           <a:p>
             <a:fld id="{C2B42884-6215-4291-AD42-9903C1CDF6BC}" type="datetimeFigureOut">
               <a:rPr lang="zh-CN" altLang="en-US" smtClean="0"/>
-              <a:t>2024/8/27</a:t>
+              <a:t>2024/9/10</a:t>
             </a:fld>
             <a:endParaRPr lang="zh-CN" altLang="en-US"/>
           </a:p>
@@ -8274,10 +8274,10 @@
       </p:sp>
       <p:pic>
         <p:nvPicPr>
-          <p:cNvPr id="3" name="Picture 2" descr="Icon&#10;&#10;Description automatically generated">
-            <a:extLst>
-              <a:ext uri="{FF2B5EF4-FFF2-40B4-BE49-F238E27FC236}">
-                <a16:creationId xmlns:a16="http://schemas.microsoft.com/office/drawing/2014/main" id="{8AB65F76-186F-811B-4C61-E36EEF93D730}"/>
+          <p:cNvPr id="5" name="Picture 4" descr="Icon&#10;&#10;Description automatically generated">
+            <a:extLst>
+              <a:ext uri="{FF2B5EF4-FFF2-40B4-BE49-F238E27FC236}">
+                <a16:creationId xmlns:a16="http://schemas.microsoft.com/office/drawing/2014/main" id="{C081152D-FD15-C638-07F8-9CBA39DF0941}"/>
               </a:ext>
             </a:extLst>
           </p:cNvPr>
@@ -8300,7 +8300,7 @@
         </p:blipFill>
         <p:spPr>
           <a:xfrm>
-            <a:off x="3214745" y="4993850"/>
+            <a:off x="3247614" y="5016043"/>
             <a:ext cx="701281" cy="701281"/>
           </a:xfrm>
           <a:prstGeom prst="rect">

--- a/imgs/hami-arch.pptx
+++ b/imgs/hami-arch.pptx
@@ -1059,7 +1059,7 @@
       <dgm:spPr/>
     </dgm:pt>
     <dgm:pt modelId="{0BB1E4DC-C9C7-4035-BE22-A2B1BD90C643}" type="pres">
-      <dgm:prSet presAssocID="{72831DEF-3CD3-4751-9EA3-DC621167DFC2}" presName="item1" presStyleLbl="node1" presStyleIdx="0" presStyleCnt="3">
+      <dgm:prSet presAssocID="{72831DEF-3CD3-4751-9EA3-DC621167DFC2}" presName="item1" presStyleLbl="node1" presStyleIdx="0" presStyleCnt="3" custLinFactNeighborX="-2921" custLinFactNeighborY="18434">
         <dgm:presLayoutVars>
           <dgm:bulletEnabled val="1"/>
         </dgm:presLayoutVars>
@@ -1067,7 +1067,7 @@
       <dgm:spPr/>
     </dgm:pt>
     <dgm:pt modelId="{620FC7C4-A08D-4BD0-BA6F-7BE3FD3B7F83}" type="pres">
-      <dgm:prSet presAssocID="{5B8C09CD-AACE-48D5-9E1E-1E2CFD2F7A3E}" presName="item2" presStyleLbl="node1" presStyleIdx="1" presStyleCnt="3">
+      <dgm:prSet presAssocID="{5B8C09CD-AACE-48D5-9E1E-1E2CFD2F7A3E}" presName="item2" presStyleLbl="node1" presStyleIdx="1" presStyleCnt="3" custLinFactNeighborX="-1000" custLinFactNeighborY="33299">
         <dgm:presLayoutVars>
           <dgm:bulletEnabled val="1"/>
         </dgm:presLayoutVars>
@@ -1075,7 +1075,7 @@
       <dgm:spPr/>
     </dgm:pt>
     <dgm:pt modelId="{2A7F0C7B-BDC4-40CD-A2F3-54F6C86050C0}" type="pres">
-      <dgm:prSet presAssocID="{4C2BF396-6EB6-4B73-A579-F3051DE5AACC}" presName="item3" presStyleLbl="node1" presStyleIdx="2" presStyleCnt="3">
+      <dgm:prSet presAssocID="{4C2BF396-6EB6-4B73-A579-F3051DE5AACC}" presName="item3" presStyleLbl="node1" presStyleIdx="2" presStyleCnt="3" custLinFactNeighborX="20124" custLinFactNeighborY="36553">
         <dgm:presLayoutVars>
           <dgm:bulletEnabled val="1"/>
         </dgm:presLayoutVars>
@@ -1293,7 +1293,7 @@
       </dsp:nvSpPr>
       <dsp:spPr>
         <a:xfrm>
-          <a:off x="1226005" y="562677"/>
+          <a:off x="1212499" y="647914"/>
           <a:ext cx="462390" cy="462390"/>
         </a:xfrm>
         <a:prstGeom prst="ellipse">
@@ -1361,7 +1361,7 @@
         </a:p>
       </dsp:txBody>
       <dsp:txXfrm>
-        <a:off x="1293720" y="630392"/>
+        <a:off x="1280214" y="715629"/>
         <a:ext cx="326960" cy="326960"/>
       </dsp:txXfrm>
     </dsp:sp>
@@ -1372,7 +1372,7 @@
       </dsp:nvSpPr>
       <dsp:spPr>
         <a:xfrm>
-          <a:off x="895140" y="215782"/>
+          <a:off x="890516" y="369753"/>
           <a:ext cx="462390" cy="462390"/>
         </a:xfrm>
         <a:prstGeom prst="ellipse">
@@ -1440,7 +1440,7 @@
         </a:p>
       </dsp:txBody>
       <dsp:txXfrm>
-        <a:off x="962855" y="283497"/>
+        <a:off x="958231" y="437468"/>
         <a:ext cx="326960" cy="326960"/>
       </dsp:txXfrm>
     </dsp:sp>
@@ -1451,7 +1451,7 @@
       </dsp:nvSpPr>
       <dsp:spPr>
         <a:xfrm>
-          <a:off x="1367805" y="103986"/>
+          <a:off x="1460857" y="273003"/>
           <a:ext cx="462390" cy="462390"/>
         </a:xfrm>
         <a:prstGeom prst="ellipse">
@@ -1519,7 +1519,7 @@
         </a:p>
       </dsp:txBody>
       <dsp:txXfrm>
-        <a:off x="1435520" y="171701"/>
+        <a:off x="1528572" y="340718"/>
         <a:ext cx="326960" cy="326960"/>
       </dsp:txXfrm>
     </dsp:sp>
@@ -3075,7 +3075,7 @@
           <a:p>
             <a:fld id="{C2B42884-6215-4291-AD42-9903C1CDF6BC}" type="datetimeFigureOut">
               <a:rPr lang="zh-CN" altLang="en-US" smtClean="0"/>
-              <a:t>2024/9/10</a:t>
+              <a:t>2025/4/15</a:t>
             </a:fld>
             <a:endParaRPr lang="zh-CN" altLang="en-US"/>
           </a:p>
@@ -3273,7 +3273,7 @@
           <a:p>
             <a:fld id="{C2B42884-6215-4291-AD42-9903C1CDF6BC}" type="datetimeFigureOut">
               <a:rPr lang="zh-CN" altLang="en-US" smtClean="0"/>
-              <a:t>2024/9/10</a:t>
+              <a:t>2025/4/15</a:t>
             </a:fld>
             <a:endParaRPr lang="zh-CN" altLang="en-US"/>
           </a:p>
@@ -3481,7 +3481,7 @@
           <a:p>
             <a:fld id="{C2B42884-6215-4291-AD42-9903C1CDF6BC}" type="datetimeFigureOut">
               <a:rPr lang="zh-CN" altLang="en-US" smtClean="0"/>
-              <a:t>2024/9/10</a:t>
+              <a:t>2025/4/15</a:t>
             </a:fld>
             <a:endParaRPr lang="zh-CN" altLang="en-US"/>
           </a:p>
@@ -3679,7 +3679,7 @@
           <a:p>
             <a:fld id="{C2B42884-6215-4291-AD42-9903C1CDF6BC}" type="datetimeFigureOut">
               <a:rPr lang="zh-CN" altLang="en-US" smtClean="0"/>
-              <a:t>2024/9/10</a:t>
+              <a:t>2025/4/15</a:t>
             </a:fld>
             <a:endParaRPr lang="zh-CN" altLang="en-US"/>
           </a:p>
@@ -3954,7 +3954,7 @@
           <a:p>
             <a:fld id="{C2B42884-6215-4291-AD42-9903C1CDF6BC}" type="datetimeFigureOut">
               <a:rPr lang="zh-CN" altLang="en-US" smtClean="0"/>
-              <a:t>2024/9/10</a:t>
+              <a:t>2025/4/15</a:t>
             </a:fld>
             <a:endParaRPr lang="zh-CN" altLang="en-US"/>
           </a:p>
@@ -4219,7 +4219,7 @@
           <a:p>
             <a:fld id="{C2B42884-6215-4291-AD42-9903C1CDF6BC}" type="datetimeFigureOut">
               <a:rPr lang="zh-CN" altLang="en-US" smtClean="0"/>
-              <a:t>2024/9/10</a:t>
+              <a:t>2025/4/15</a:t>
             </a:fld>
             <a:endParaRPr lang="zh-CN" altLang="en-US"/>
           </a:p>
@@ -4631,7 +4631,7 @@
           <a:p>
             <a:fld id="{C2B42884-6215-4291-AD42-9903C1CDF6BC}" type="datetimeFigureOut">
               <a:rPr lang="zh-CN" altLang="en-US" smtClean="0"/>
-              <a:t>2024/9/10</a:t>
+              <a:t>2025/4/15</a:t>
             </a:fld>
             <a:endParaRPr lang="zh-CN" altLang="en-US"/>
           </a:p>
@@ -4772,7 +4772,7 @@
           <a:p>
             <a:fld id="{C2B42884-6215-4291-AD42-9903C1CDF6BC}" type="datetimeFigureOut">
               <a:rPr lang="zh-CN" altLang="en-US" smtClean="0"/>
-              <a:t>2024/9/10</a:t>
+              <a:t>2025/4/15</a:t>
             </a:fld>
             <a:endParaRPr lang="zh-CN" altLang="en-US"/>
           </a:p>
@@ -4885,7 +4885,7 @@
           <a:p>
             <a:fld id="{C2B42884-6215-4291-AD42-9903C1CDF6BC}" type="datetimeFigureOut">
               <a:rPr lang="zh-CN" altLang="en-US" smtClean="0"/>
-              <a:t>2024/9/10</a:t>
+              <a:t>2025/4/15</a:t>
             </a:fld>
             <a:endParaRPr lang="zh-CN" altLang="en-US"/>
           </a:p>
@@ -5196,7 +5196,7 @@
           <a:p>
             <a:fld id="{C2B42884-6215-4291-AD42-9903C1CDF6BC}" type="datetimeFigureOut">
               <a:rPr lang="zh-CN" altLang="en-US" smtClean="0"/>
-              <a:t>2024/9/10</a:t>
+              <a:t>2025/4/15</a:t>
             </a:fld>
             <a:endParaRPr lang="zh-CN" altLang="en-US"/>
           </a:p>
@@ -5484,7 +5484,7 @@
           <a:p>
             <a:fld id="{C2B42884-6215-4291-AD42-9903C1CDF6BC}" type="datetimeFigureOut">
               <a:rPr lang="zh-CN" altLang="en-US" smtClean="0"/>
-              <a:t>2024/9/10</a:t>
+              <a:t>2025/4/15</a:t>
             </a:fld>
             <a:endParaRPr lang="zh-CN" altLang="en-US"/>
           </a:p>
@@ -5725,7 +5725,7 @@
           <a:p>
             <a:fld id="{C2B42884-6215-4291-AD42-9903C1CDF6BC}" type="datetimeFigureOut">
               <a:rPr lang="zh-CN" altLang="en-US" smtClean="0"/>
-              <a:t>2024/9/10</a:t>
+              <a:t>2025/4/15</a:t>
             </a:fld>
             <a:endParaRPr lang="zh-CN" altLang="en-US"/>
           </a:p>
@@ -6248,7 +6248,7 @@
         </p:nvSpPr>
         <p:spPr>
           <a:xfrm>
-            <a:off x="6576650" y="3022858"/>
+            <a:off x="6801848" y="3190430"/>
             <a:ext cx="945129" cy="120122"/>
           </a:xfrm>
           <a:prstGeom prst="ellipse">
@@ -6301,7 +6301,7 @@
           <p:nvPr>
             <p:extLst>
               <p:ext uri="{D42A27DB-BD31-4B8C-83A1-F6EECF244321}">
-                <p14:modId xmlns:p14="http://schemas.microsoft.com/office/powerpoint/2010/main" val="26320328"/>
+                <p14:modId xmlns:p14="http://schemas.microsoft.com/office/powerpoint/2010/main" val="2199579785"/>
               </p:ext>
             </p:extLst>
           </p:nvPr>
@@ -6381,7 +6381,7 @@
         </p:blipFill>
         <p:spPr>
           <a:xfrm>
-            <a:off x="6638619" y="2535730"/>
+            <a:off x="6863817" y="2703302"/>
             <a:ext cx="777797" cy="607250"/>
           </a:xfrm>
           <a:prstGeom prst="rect">
@@ -8302,6 +8302,66 @@
           <a:xfrm>
             <a:off x="3247614" y="5016043"/>
             <a:ext cx="701281" cy="701281"/>
+          </a:xfrm>
+          <a:prstGeom prst="rect">
+            <a:avLst/>
+          </a:prstGeom>
+        </p:spPr>
+      </p:pic>
+      <p:pic>
+        <p:nvPicPr>
+          <p:cNvPr id="3" name="Picture 2">
+            <a:extLst>
+              <a:ext uri="{FF2B5EF4-FFF2-40B4-BE49-F238E27FC236}">
+                <a16:creationId xmlns:a16="http://schemas.microsoft.com/office/drawing/2014/main" id="{40B58D99-95F6-FF0F-56F5-4A790C73FB25}"/>
+              </a:ext>
+            </a:extLst>
+          </p:cNvPr>
+          <p:cNvPicPr>
+            <a:picLocks noChangeAspect="1"/>
+          </p:cNvPicPr>
+          <p:nvPr/>
+        </p:nvPicPr>
+        <p:blipFill>
+          <a:blip r:embed="rId21"/>
+          <a:stretch>
+            <a:fillRect/>
+          </a:stretch>
+        </p:blipFill>
+        <p:spPr>
+          <a:xfrm>
+            <a:off x="6889383" y="1972038"/>
+            <a:ext cx="616539" cy="600524"/>
+          </a:xfrm>
+          <a:prstGeom prst="rect">
+            <a:avLst/>
+          </a:prstGeom>
+        </p:spPr>
+      </p:pic>
+      <p:pic>
+        <p:nvPicPr>
+          <p:cNvPr id="6" name="Picture 5">
+            <a:extLst>
+              <a:ext uri="{FF2B5EF4-FFF2-40B4-BE49-F238E27FC236}">
+                <a16:creationId xmlns:a16="http://schemas.microsoft.com/office/drawing/2014/main" id="{749686DA-6E1E-07B4-67BB-1853CCA0A69D}"/>
+              </a:ext>
+            </a:extLst>
+          </p:cNvPr>
+          <p:cNvPicPr>
+            <a:picLocks noChangeAspect="1"/>
+          </p:cNvPicPr>
+          <p:nvPr/>
+        </p:nvPicPr>
+        <p:blipFill>
+          <a:blip r:embed="rId22"/>
+          <a:stretch>
+            <a:fillRect/>
+          </a:stretch>
+        </p:blipFill>
+        <p:spPr>
+          <a:xfrm>
+            <a:off x="5055254" y="746688"/>
+            <a:ext cx="1026369" cy="218504"/>
           </a:xfrm>
           <a:prstGeom prst="rect">
             <a:avLst/>
